--- a/trunk/Agile.net/ccnet.pptx
+++ b/trunk/Agile.net/ccnet.pptx
@@ -10,6 +10,7 @@
     <p:sldId id="279" r:id="rId4"/>
     <p:sldId id="280" r:id="rId5"/>
     <p:sldId id="281" r:id="rId6"/>
+    <p:sldId id="282" r:id="rId7"/>
   </p:sldIdLst>
   <p:sldSz cx="9144000" cy="6858000" type="screen4x3"/>
   <p:notesSz cx="6858000" cy="9144000"/>
@@ -9101,6 +9102,113 @@
       </p:par>
     </p:tnLst>
   </p:timing>
+</p:sld>
+</file>
+
+<file path=ppt/slides/slide5.xml><?xml version="1.0" encoding="utf-8"?>
+<p:sld xmlns:a="http://schemas.openxmlformats.org/drawingml/2006/main" xmlns:r="http://schemas.openxmlformats.org/officeDocument/2006/relationships" xmlns:p="http://schemas.openxmlformats.org/presentationml/2006/main">
+  <p:cSld>
+    <p:spTree>
+      <p:nvGrpSpPr>
+        <p:cNvPr id="1" name=""/>
+        <p:cNvGrpSpPr/>
+        <p:nvPr/>
+      </p:nvGrpSpPr>
+      <p:grpSpPr>
+        <a:xfrm>
+          <a:off x="0" y="0"/>
+          <a:ext cx="0" cy="0"/>
+          <a:chOff x="0" y="0"/>
+          <a:chExt cx="0" cy="0"/>
+        </a:xfrm>
+      </p:grpSpPr>
+      <p:sp>
+        <p:nvSpPr>
+          <p:cNvPr id="2" name="Title 1"/>
+          <p:cNvSpPr>
+            <a:spLocks noGrp="1"/>
+          </p:cNvSpPr>
+          <p:nvPr>
+            <p:ph type="title"/>
+          </p:nvPr>
+        </p:nvSpPr>
+        <p:spPr/>
+        <p:txBody>
+          <a:bodyPr>
+            <a:normAutofit fontScale="90000"/>
+          </a:bodyPr>
+          <a:lstStyle/>
+          <a:p>
+            <a:r>
+              <a:rPr lang="en-GB" dirty="0" smtClean="0"/>
+              <a:t>Big Visual Cruise and screen saver</a:t>
+            </a:r>
+            <a:endParaRPr lang="en-US" dirty="0"/>
+          </a:p>
+        </p:txBody>
+      </p:sp>
+      <p:pic>
+        <p:nvPicPr>
+          <p:cNvPr id="4" name="Content Placeholder 3" descr="big visible cruise.jpg"/>
+          <p:cNvPicPr>
+            <a:picLocks noGrp="1" noChangeAspect="1"/>
+          </p:cNvPicPr>
+          <p:nvPr>
+            <p:ph idx="1"/>
+          </p:nvPr>
+        </p:nvPicPr>
+        <p:blipFill>
+          <a:blip r:embed="rId2"/>
+          <a:stretch>
+            <a:fillRect/>
+          </a:stretch>
+        </p:blipFill>
+        <p:spPr>
+          <a:xfrm>
+            <a:off x="1285852" y="1500173"/>
+            <a:ext cx="4429156" cy="2932909"/>
+          </a:xfrm>
+        </p:spPr>
+      </p:pic>
+      <p:pic>
+        <p:nvPicPr>
+          <p:cNvPr id="5" name="Content Placeholder 3" descr="screen saver.jpg"/>
+          <p:cNvPicPr>
+            <a:picLocks noChangeAspect="1"/>
+          </p:cNvPicPr>
+          <p:nvPr/>
+        </p:nvPicPr>
+        <p:blipFill>
+          <a:blip r:embed="rId3"/>
+          <a:stretch>
+            <a:fillRect/>
+          </a:stretch>
+        </p:blipFill>
+        <p:spPr bwMode="auto">
+          <a:xfrm>
+            <a:off x="4071934" y="3643314"/>
+            <a:ext cx="4719640" cy="2883523"/>
+          </a:xfrm>
+          <a:prstGeom prst="rect">
+            <a:avLst/>
+          </a:prstGeom>
+          <a:noFill/>
+          <a:ln w="9525">
+            <a:noFill/>
+            <a:miter lim="800000"/>
+            <a:headEnd/>
+            <a:tailEnd/>
+          </a:ln>
+        </p:spPr>
+      </p:pic>
+    </p:spTree>
+  </p:cSld>
+  <p:clrMapOvr>
+    <a:masterClrMapping/>
+  </p:clrMapOvr>
+  <p:transition>
+    <p:fade/>
+  </p:transition>
 </p:sld>
 </file>
 
